--- a/presentations/source/10-Other-WS-star.pptx
+++ b/presentations/source/10-Other-WS-star.pptx
@@ -222,7 +222,7 @@
             <a:fld id="{7307762F-A706-E543-A832-3C298AA3103F}" type="datetimeFigureOut">
               <a:rPr lang="en-US" smtClean="0"/>
               <a:pPr/>
-              <a:t>09/12/2012</a:t>
+              <a:t>18/12/2012</a:t>
             </a:fld>
             <a:endParaRPr lang="en-US" dirty="0"/>
           </a:p>
@@ -6158,7 +6158,7 @@
           <a:p>
             <a:fld id="{875CF0EB-321F-0749-B37A-89BBA859503C}" type="datetimeFigureOut">
               <a:rPr lang="en-US" smtClean="0"/>
-              <a:t>09/12/2012</a:t>
+              <a:t>18/12/2012</a:t>
             </a:fld>
             <a:endParaRPr lang="en-US"/>
           </a:p>
@@ -6362,7 +6362,7 @@
           <a:p>
             <a:fld id="{875CF0EB-321F-0749-B37A-89BBA859503C}" type="datetimeFigureOut">
               <a:rPr lang="en-US" smtClean="0"/>
-              <a:t>09/12/2012</a:t>
+              <a:t>18/12/2012</a:t>
             </a:fld>
             <a:endParaRPr lang="en-US"/>
           </a:p>
@@ -6556,7 +6556,7 @@
           <a:p>
             <a:fld id="{875CF0EB-321F-0749-B37A-89BBA859503C}" type="datetimeFigureOut">
               <a:rPr lang="en-US" smtClean="0"/>
-              <a:t>09/12/2012</a:t>
+              <a:t>18/12/2012</a:t>
             </a:fld>
             <a:endParaRPr lang="en-US"/>
           </a:p>
@@ -6826,7 +6826,7 @@
           <a:p>
             <a:fld id="{875CF0EB-321F-0749-B37A-89BBA859503C}" type="datetimeFigureOut">
               <a:rPr lang="en-US" smtClean="0"/>
-              <a:t>09/12/2012</a:t>
+              <a:t>18/12/2012</a:t>
             </a:fld>
             <a:endParaRPr lang="en-US"/>
           </a:p>
@@ -7138,7 +7138,7 @@
           <a:p>
             <a:fld id="{875CF0EB-321F-0749-B37A-89BBA859503C}" type="datetimeFigureOut">
               <a:rPr lang="en-US" smtClean="0"/>
-              <a:t>09/12/2012</a:t>
+              <a:t>18/12/2012</a:t>
             </a:fld>
             <a:endParaRPr lang="en-US"/>
           </a:p>
@@ -7584,7 +7584,7 @@
           <a:p>
             <a:fld id="{875CF0EB-321F-0749-B37A-89BBA859503C}" type="datetimeFigureOut">
               <a:rPr lang="en-US" smtClean="0"/>
-              <a:t>09/12/2012</a:t>
+              <a:t>18/12/2012</a:t>
             </a:fld>
             <a:endParaRPr lang="en-US"/>
           </a:p>
@@ -7726,7 +7726,7 @@
           <a:p>
             <a:fld id="{875CF0EB-321F-0749-B37A-89BBA859503C}" type="datetimeFigureOut">
               <a:rPr lang="en-US" smtClean="0"/>
-              <a:t>09/12/2012</a:t>
+              <a:t>18/12/2012</a:t>
             </a:fld>
             <a:endParaRPr lang="en-US"/>
           </a:p>
@@ -7845,7 +7845,7 @@
           <a:p>
             <a:fld id="{875CF0EB-321F-0749-B37A-89BBA859503C}" type="datetimeFigureOut">
               <a:rPr lang="en-US" smtClean="0"/>
-              <a:t>09/12/2012</a:t>
+              <a:t>18/12/2012</a:t>
             </a:fld>
             <a:endParaRPr lang="en-US"/>
           </a:p>
@@ -8146,7 +8146,7 @@
           <a:p>
             <a:fld id="{875CF0EB-321F-0749-B37A-89BBA859503C}" type="datetimeFigureOut">
               <a:rPr lang="en-US" smtClean="0"/>
-              <a:t>09/12/2012</a:t>
+              <a:t>18/12/2012</a:t>
             </a:fld>
             <a:endParaRPr lang="en-US"/>
           </a:p>
@@ -8423,7 +8423,7 @@
           <a:p>
             <a:fld id="{875CF0EB-321F-0749-B37A-89BBA859503C}" type="datetimeFigureOut">
               <a:rPr lang="en-US" smtClean="0"/>
-              <a:t>09/12/2012</a:t>
+              <a:t>18/12/2012</a:t>
             </a:fld>
             <a:endParaRPr lang="en-US"/>
           </a:p>
@@ -9248,15 +9248,19 @@
           <a:p>
             <a:r>
               <a:rPr lang="en-US" dirty="0" smtClean="0"/>
-              <a:t>WS-</a:t>
+              <a:t>WS</a:t>
+            </a:r>
+            <a:r>
+              <a:rPr lang="en-US" smtClean="0"/>
+              <a:t>-</a:t>
+            </a:r>
+            <a:r>
+              <a:rPr lang="en-US" smtClean="0"/>
+              <a:t>Addressing and </a:t>
             </a:r>
             <a:r>
               <a:rPr lang="en-US" dirty="0" smtClean="0"/>
-              <a:t>Addressing, WS-RM </a:t>
-            </a:r>
-            <a:r>
-              <a:rPr lang="en-US" dirty="0" smtClean="0"/>
-              <a:t>and MTOM</a:t>
+              <a:t>MTOM</a:t>
             </a:r>
             <a:endParaRPr lang="en-US" dirty="0"/>
           </a:p>
@@ -14864,11 +14868,7 @@
           <a:p>
             <a:r>
               <a:rPr lang="en-US" dirty="0" smtClean="0"/>
-              <a:t>WS-</a:t>
-            </a:r>
-            <a:r>
-              <a:rPr lang="en-US" dirty="0" smtClean="0"/>
-              <a:t>Addressing</a:t>
+              <a:t>WS-Addressing</a:t>
             </a:r>
           </a:p>
           <a:p>
